--- a/training-cards/agile moves/Ideas (IDE)/ger/apprentice/ger_IDE_05_Ideen_Backlog_AM_A.pptx
+++ b/training-cards/agile moves/Ideas (IDE)/ger/apprentice/ger_IDE_05_Ideen_Backlog_AM_A.pptx
@@ -2255,6 +2255,14 @@
           <a:bodyPr/>
           <a:lstStyle/>
           <a:p>
+            <a:pPr>
+              <a:lnSpc>
+                <a:spcPts val="1600"/>
+              </a:lnSpc>
+              <a:spcBef>
+                <a:spcPts val="1000"/>
+              </a:spcBef>
+            </a:pPr>
             <a:r>
               <a:rPr lang="de-DE" sz="1200" dirty="0">
                 <a:latin typeface="Avenir Book" charset="0"/>
@@ -2342,6 +2350,14 @@
             </a:endParaRPr>
           </a:p>
           <a:p>
+            <a:pPr>
+              <a:lnSpc>
+                <a:spcPts val="1600"/>
+              </a:lnSpc>
+              <a:spcBef>
+                <a:spcPts val="1000"/>
+              </a:spcBef>
+            </a:pPr>
             <a:r>
               <a:rPr lang="de-DE" sz="1200" dirty="0" smtClean="0">
                 <a:latin typeface="Avenir Book" charset="0"/>
@@ -2416,6 +2432,14 @@
             </a:r>
           </a:p>
           <a:p>
+            <a:pPr>
+              <a:lnSpc>
+                <a:spcPts val="1600"/>
+              </a:lnSpc>
+              <a:spcBef>
+                <a:spcPts val="1000"/>
+              </a:spcBef>
+            </a:pPr>
             <a:r>
               <a:rPr lang="de-DE" sz="1200" dirty="0" smtClean="0">
                 <a:latin typeface="Avenir Book" charset="0"/>
@@ -2447,6 +2471,14 @@
             </a:endParaRPr>
           </a:p>
           <a:p>
+            <a:pPr>
+              <a:lnSpc>
+                <a:spcPts val="1600"/>
+              </a:lnSpc>
+              <a:spcBef>
+                <a:spcPts val="1000"/>
+              </a:spcBef>
+            </a:pPr>
             <a:r>
               <a:rPr lang="de-DE" sz="1200" dirty="0">
                 <a:latin typeface="Avenir Book" charset="0"/>

--- a/training-cards/agile moves/Ideas (IDE)/ger/apprentice/ger_IDE_05_Ideen_Backlog_AM_A.pptx
+++ b/training-cards/agile moves/Ideas (IDE)/ger/apprentice/ger_IDE_05_Ideen_Backlog_AM_A.pptx
@@ -2301,49 +2301,9 @@
                 <a:ea typeface="Avenir Book" charset="0"/>
                 <a:cs typeface="Avenir Book" charset="0"/>
               </a:rPr>
-              <a:t>. Solltest Du eine IDEA SNAKE (IDE 04) gemacht haben, </a:t>
-            </a:r>
-            <a:r>
-              <a:rPr lang="de-DE" sz="1200" dirty="0" smtClean="0">
-                <a:latin typeface="Avenir Book" charset="0"/>
-                <a:ea typeface="Avenir Book" charset="0"/>
-                <a:cs typeface="Avenir Book" charset="0"/>
-              </a:rPr>
-              <a:t>beginne damit, die Ideen der </a:t>
-            </a:r>
-            <a:r>
-              <a:rPr lang="de-DE" sz="1200" dirty="0" err="1" smtClean="0">
-                <a:latin typeface="Avenir Book" charset="0"/>
-                <a:ea typeface="Avenir Book" charset="0"/>
-                <a:cs typeface="Avenir Book" charset="0"/>
-              </a:rPr>
-              <a:t>Snake</a:t>
-            </a:r>
-            <a:r>
-              <a:rPr lang="de-DE" sz="1200" dirty="0" smtClean="0">
-                <a:latin typeface="Avenir Book" charset="0"/>
-                <a:ea typeface="Avenir Book" charset="0"/>
-                <a:cs typeface="Avenir Book" charset="0"/>
-              </a:rPr>
-              <a:t> in Dein </a:t>
-            </a:r>
-            <a:r>
-              <a:rPr lang="de-DE" sz="1200" dirty="0" err="1" smtClean="0">
-                <a:latin typeface="Avenir Book" charset="0"/>
-                <a:ea typeface="Avenir Book" charset="0"/>
-                <a:cs typeface="Avenir Book" charset="0"/>
-              </a:rPr>
-              <a:t>Backlog</a:t>
-            </a:r>
-            <a:r>
-              <a:rPr lang="de-DE" sz="1200" dirty="0" smtClean="0">
-                <a:latin typeface="Avenir Book" charset="0"/>
-                <a:ea typeface="Avenir Book" charset="0"/>
-                <a:cs typeface="Avenir Book" charset="0"/>
-              </a:rPr>
-              <a:t> zu übertragen.</a:t>
-            </a:r>
-            <a:endParaRPr lang="de-DE" sz="1200" dirty="0">
+              <a:t>. </a:t>
+            </a:r>
+            <a:endParaRPr lang="de-DE" sz="1200" dirty="0" smtClean="0">
               <a:latin typeface="Avenir Book" charset="0"/>
               <a:ea typeface="Avenir Book" charset="0"/>
               <a:cs typeface="Avenir Book" charset="0"/>
@@ -2364,7 +2324,23 @@
                 <a:ea typeface="Avenir Book" charset="0"/>
                 <a:cs typeface="Avenir Book" charset="0"/>
               </a:rPr>
-              <a:t>Dieses </a:t>
+              <a:t>Solltest </a:t>
+            </a:r>
+            <a:r>
+              <a:rPr lang="de-DE" sz="1200" dirty="0">
+                <a:latin typeface="Avenir Book" charset="0"/>
+                <a:ea typeface="Avenir Book" charset="0"/>
+                <a:cs typeface="Avenir Book" charset="0"/>
+              </a:rPr>
+              <a:t>Du eine IDEA SNAKE (IDE 04) gemacht haben, </a:t>
+            </a:r>
+            <a:r>
+              <a:rPr lang="de-DE" sz="1200" dirty="0" smtClean="0">
+                <a:latin typeface="Avenir Book" charset="0"/>
+                <a:ea typeface="Avenir Book" charset="0"/>
+                <a:cs typeface="Avenir Book" charset="0"/>
+              </a:rPr>
+              <a:t>beginne damit, die Ideen der </a:t>
             </a:r>
             <a:r>
               <a:rPr lang="de-DE" sz="1200" dirty="0" err="1" smtClean="0">
@@ -2372,6 +2348,22 @@
                 <a:ea typeface="Avenir Book" charset="0"/>
                 <a:cs typeface="Avenir Book" charset="0"/>
               </a:rPr>
+              <a:t>Snake</a:t>
+            </a:r>
+            <a:r>
+              <a:rPr lang="de-DE" sz="1200" dirty="0" smtClean="0">
+                <a:latin typeface="Avenir Book" charset="0"/>
+                <a:ea typeface="Avenir Book" charset="0"/>
+                <a:cs typeface="Avenir Book" charset="0"/>
+              </a:rPr>
+              <a:t> in Dein </a:t>
+            </a:r>
+            <a:r>
+              <a:rPr lang="de-DE" sz="1200" dirty="0" err="1" smtClean="0">
+                <a:latin typeface="Avenir Book" charset="0"/>
+                <a:ea typeface="Avenir Book" charset="0"/>
+                <a:cs typeface="Avenir Book" charset="0"/>
+              </a:rPr>
               <a:t>Backlog</a:t>
             </a:r>
             <a:r>
@@ -2380,56 +2372,13 @@
                 <a:ea typeface="Avenir Book" charset="0"/>
                 <a:cs typeface="Avenir Book" charset="0"/>
               </a:rPr>
-              <a:t> enthält </a:t>
-            </a:r>
-            <a:r>
-              <a:rPr lang="de-DE" sz="1200" dirty="0" smtClean="0">
-                <a:latin typeface="Avenir Book" charset="0"/>
-                <a:ea typeface="Avenir Book" charset="0"/>
-                <a:cs typeface="Avenir Book" charset="0"/>
-              </a:rPr>
-              <a:t>in einem ersten Schritt ungeordnet </a:t>
-            </a:r>
-            <a:r>
-              <a:rPr lang="de-DE" sz="1200" dirty="0" smtClean="0">
-                <a:latin typeface="Avenir Book" charset="0"/>
-                <a:ea typeface="Avenir Book" charset="0"/>
-                <a:cs typeface="Avenir Book" charset="0"/>
-              </a:rPr>
-              <a:t>alles, </a:t>
-            </a:r>
-            <a:r>
-              <a:rPr lang="de-DE" sz="1200" dirty="0">
-                <a:latin typeface="Avenir Book" charset="0"/>
-                <a:ea typeface="Avenir Book" charset="0"/>
-                <a:cs typeface="Avenir Book" charset="0"/>
-              </a:rPr>
-              <a:t>was </a:t>
-            </a:r>
-            <a:r>
-              <a:rPr lang="de-DE" sz="1200" dirty="0" smtClean="0">
-                <a:latin typeface="Avenir Book" charset="0"/>
-                <a:ea typeface="Avenir Book" charset="0"/>
-                <a:cs typeface="Avenir Book" charset="0"/>
-              </a:rPr>
-              <a:t>Dir an </a:t>
-            </a:r>
-            <a:r>
-              <a:rPr lang="de-DE" sz="1200" dirty="0">
-                <a:latin typeface="Avenir Book" charset="0"/>
-                <a:ea typeface="Avenir Book" charset="0"/>
-                <a:cs typeface="Avenir Book" charset="0"/>
-              </a:rPr>
-              <a:t>Ideen </a:t>
-            </a:r>
-            <a:r>
-              <a:rPr lang="de-DE" sz="1200" dirty="0" smtClean="0">
-                <a:latin typeface="Avenir Book" charset="0"/>
-                <a:ea typeface="Avenir Book" charset="0"/>
-                <a:cs typeface="Avenir Book" charset="0"/>
-              </a:rPr>
-              <a:t>einfällt.</a:t>
-            </a:r>
+              <a:t> zu übertragen.</a:t>
+            </a:r>
+            <a:endParaRPr lang="de-DE" sz="1200" dirty="0">
+              <a:latin typeface="Avenir Book" charset="0"/>
+              <a:ea typeface="Avenir Book" charset="0"/>
+              <a:cs typeface="Avenir Book" charset="0"/>
+            </a:endParaRPr>
           </a:p>
           <a:p>
             <a:pPr>
@@ -2446,7 +2395,15 @@
                 <a:ea typeface="Avenir Book" charset="0"/>
                 <a:cs typeface="Avenir Book" charset="0"/>
               </a:rPr>
-              <a:t>Skizziere </a:t>
+              <a:t>Dieses </a:t>
+            </a:r>
+            <a:r>
+              <a:rPr lang="de-DE" sz="1200" dirty="0" err="1" smtClean="0">
+                <a:latin typeface="Avenir Book" charset="0"/>
+                <a:ea typeface="Avenir Book" charset="0"/>
+                <a:cs typeface="Avenir Book" charset="0"/>
+              </a:rPr>
+              <a:t>Backlog</a:t>
             </a:r>
             <a:r>
               <a:rPr lang="de-DE" sz="1200" dirty="0" smtClean="0">
@@ -2454,7 +2411,7 @@
                 <a:ea typeface="Avenir Book" charset="0"/>
                 <a:cs typeface="Avenir Book" charset="0"/>
               </a:rPr>
-              <a:t>Deine Idee jeweils kurz oder schreibe sie als Punktliste </a:t>
+              <a:t> enthält </a:t>
             </a:r>
             <a:r>
               <a:rPr lang="de-DE" sz="1200" dirty="0" smtClean="0">
@@ -2462,13 +2419,48 @@
                 <a:ea typeface="Avenir Book" charset="0"/>
                 <a:cs typeface="Avenir Book" charset="0"/>
               </a:rPr>
-              <a:t>auf.</a:t>
-            </a:r>
-            <a:endParaRPr lang="de-DE" sz="1200" dirty="0" smtClean="0">
-              <a:latin typeface="Avenir Book" charset="0"/>
-              <a:ea typeface="Avenir Book" charset="0"/>
-              <a:cs typeface="Avenir Book" charset="0"/>
-            </a:endParaRPr>
+              <a:t>in einem ersten Schritt ungeordnet </a:t>
+            </a:r>
+            <a:r>
+              <a:rPr lang="de-DE" sz="1200" dirty="0" smtClean="0">
+                <a:latin typeface="Avenir Book" charset="0"/>
+                <a:ea typeface="Avenir Book" charset="0"/>
+                <a:cs typeface="Avenir Book" charset="0"/>
+              </a:rPr>
+              <a:t>alles, </a:t>
+            </a:r>
+            <a:r>
+              <a:rPr lang="de-DE" sz="1200" dirty="0">
+                <a:latin typeface="Avenir Book" charset="0"/>
+                <a:ea typeface="Avenir Book" charset="0"/>
+                <a:cs typeface="Avenir Book" charset="0"/>
+              </a:rPr>
+              <a:t>was </a:t>
+            </a:r>
+            <a:r>
+              <a:rPr lang="de-DE" sz="1200" dirty="0" smtClean="0">
+                <a:latin typeface="Avenir Book" charset="0"/>
+                <a:ea typeface="Avenir Book" charset="0"/>
+                <a:cs typeface="Avenir Book" charset="0"/>
+              </a:rPr>
+              <a:t>Dir an </a:t>
+            </a:r>
+            <a:r>
+              <a:rPr lang="de-DE" sz="1200" dirty="0">
+                <a:latin typeface="Avenir Book" charset="0"/>
+                <a:ea typeface="Avenir Book" charset="0"/>
+                <a:cs typeface="Avenir Book" charset="0"/>
+              </a:rPr>
+              <a:t>Ideen </a:t>
+            </a:r>
+            <a:r>
+              <a:rPr lang="de-DE" sz="1200" dirty="0" smtClean="0">
+                <a:latin typeface="Avenir Book" charset="0"/>
+                <a:ea typeface="Avenir Book" charset="0"/>
+                <a:cs typeface="Avenir Book" charset="0"/>
+              </a:rPr>
+              <a:t>einfällt.</a:t>
+            </a:r>
           </a:p>
           <a:p>
             <a:pPr>
@@ -2480,6 +2472,45 @@
               </a:spcBef>
             </a:pPr>
             <a:r>
+              <a:rPr lang="de-DE" sz="1200" dirty="0" smtClean="0">
+                <a:latin typeface="Avenir Book" charset="0"/>
+                <a:ea typeface="Avenir Book" charset="0"/>
+                <a:cs typeface="Avenir Book" charset="0"/>
+              </a:rPr>
+              <a:t>Skizziere </a:t>
+            </a:r>
+            <a:r>
+              <a:rPr lang="de-DE" sz="1200" dirty="0" smtClean="0">
+                <a:latin typeface="Avenir Book" charset="0"/>
+                <a:ea typeface="Avenir Book" charset="0"/>
+                <a:cs typeface="Avenir Book" charset="0"/>
+              </a:rPr>
+              <a:t>Deine Idee jeweils kurz oder schreibe sie als Punktliste </a:t>
+            </a:r>
+            <a:r>
+              <a:rPr lang="de-DE" sz="1200" dirty="0" smtClean="0">
+                <a:latin typeface="Avenir Book" charset="0"/>
+                <a:ea typeface="Avenir Book" charset="0"/>
+                <a:cs typeface="Avenir Book" charset="0"/>
+              </a:rPr>
+              <a:t>auf.</a:t>
+            </a:r>
+            <a:endParaRPr lang="de-DE" sz="1200" dirty="0" smtClean="0">
+              <a:latin typeface="Avenir Book" charset="0"/>
+              <a:ea typeface="Avenir Book" charset="0"/>
+              <a:cs typeface="Avenir Book" charset="0"/>
+            </a:endParaRPr>
+          </a:p>
+          <a:p>
+            <a:pPr>
+              <a:lnSpc>
+                <a:spcPts val="1600"/>
+              </a:lnSpc>
+              <a:spcBef>
+                <a:spcPts val="1000"/>
+              </a:spcBef>
+            </a:pPr>
+            <a:r>
               <a:rPr lang="de-DE" sz="1200" dirty="0">
                 <a:latin typeface="Avenir Book" charset="0"/>
                 <a:ea typeface="Avenir Book" charset="0"/>
@@ -2512,12 +2543,43 @@
               <a:t>Backlog</a:t>
             </a:r>
             <a:r>
+              <a:rPr lang="de-DE" sz="1200">
+                <a:latin typeface="Avenir Book" charset="0"/>
+                <a:ea typeface="Avenir Book" charset="0"/>
+                <a:cs typeface="Avenir Book" charset="0"/>
+              </a:rPr>
+              <a:t> </a:t>
+            </a:r>
+            <a:r>
+              <a:rPr lang="de-DE" sz="1200" smtClean="0">
+                <a:latin typeface="Avenir Book" charset="0"/>
+                <a:ea typeface="Avenir Book" charset="0"/>
+                <a:cs typeface="Avenir Book" charset="0"/>
+              </a:rPr>
+              <a:t/>
+            </a:r>
+            <a:br>
+              <a:rPr lang="de-DE" sz="1200" smtClean="0">
+                <a:latin typeface="Avenir Book" charset="0"/>
+                <a:ea typeface="Avenir Book" charset="0"/>
+                <a:cs typeface="Avenir Book" charset="0"/>
+              </a:rPr>
+            </a:br>
+            <a:r>
+              <a:rPr lang="de-DE" sz="1200" smtClean="0">
+                <a:latin typeface="Avenir Book" charset="0"/>
+                <a:ea typeface="Avenir Book" charset="0"/>
+                <a:cs typeface="Avenir Book" charset="0"/>
+              </a:rPr>
+              <a:t>und </a:t>
+            </a:r>
+            <a:r>
               <a:rPr lang="de-DE" sz="1200" dirty="0">
                 <a:latin typeface="Avenir Book" charset="0"/>
                 <a:ea typeface="Avenir Book" charset="0"/>
                 <a:cs typeface="Avenir Book" charset="0"/>
               </a:rPr>
-              <a:t> und zeige sie Deinem Team oder Deinen Trainingspartnern</a:t>
+              <a:t>zeige sie Deinem Team oder Deinen Trainingspartnern</a:t>
             </a:r>
             <a:r>
               <a:rPr lang="de-DE" sz="1200" dirty="0" smtClean="0">
